--- a/양식3.pptx
+++ b/양식3.pptx
@@ -5,7 +5,7 @@
     <p:sldMasterId id="2147483648" r:id="rId1"/>
   </p:sldMasterIdLst>
   <p:notesMasterIdLst>
-    <p:notesMasterId r:id="rId15"/>
+    <p:notesMasterId r:id="rId17"/>
   </p:notesMasterIdLst>
   <p:sldIdLst>
     <p:sldId id="263" r:id="rId2"/>
@@ -21,6 +21,8 @@
     <p:sldId id="273" r:id="rId12"/>
     <p:sldId id="274" r:id="rId13"/>
     <p:sldId id="275" r:id="rId14"/>
+    <p:sldId id="276" r:id="rId15"/>
+    <p:sldId id="277" r:id="rId16"/>
   </p:sldIdLst>
   <p:sldSz cx="10693400" cy="7561263"/>
   <p:notesSz cx="6807200" cy="9939338"/>
@@ -220,7 +222,7 @@
           <a:p>
             <a:fld id="{04FD9B66-E4C8-4943-81FF-076B9424E259}" type="datetimeFigureOut">
               <a:rPr lang="ko-KR" altLang="en-US" smtClean="0"/>
-              <a:t>2022-04-04</a:t>
+              <a:t>2022-06-16</a:t>
             </a:fld>
             <a:endParaRPr lang="ko-KR" altLang="en-US"/>
           </a:p>
@@ -666,7 +668,7 @@
           <a:p>
             <a:fld id="{DEB04459-77A1-459B-84E6-AB5CF6BAEB25}" type="datetimeFigureOut">
               <a:rPr lang="ko-KR" altLang="en-US" smtClean="0"/>
-              <a:t>2022-04-04</a:t>
+              <a:t>2022-06-16</a:t>
             </a:fld>
             <a:endParaRPr lang="ko-KR" altLang="en-US"/>
           </a:p>
@@ -834,7 +836,7 @@
           <a:p>
             <a:fld id="{DEB04459-77A1-459B-84E6-AB5CF6BAEB25}" type="datetimeFigureOut">
               <a:rPr lang="ko-KR" altLang="en-US" smtClean="0"/>
-              <a:t>2022-04-04</a:t>
+              <a:t>2022-06-16</a:t>
             </a:fld>
             <a:endParaRPr lang="ko-KR" altLang="en-US"/>
           </a:p>
@@ -1012,7 +1014,7 @@
           <a:p>
             <a:fld id="{DEB04459-77A1-459B-84E6-AB5CF6BAEB25}" type="datetimeFigureOut">
               <a:rPr lang="ko-KR" altLang="en-US" smtClean="0"/>
-              <a:t>2022-04-04</a:t>
+              <a:t>2022-06-16</a:t>
             </a:fld>
             <a:endParaRPr lang="ko-KR" altLang="en-US"/>
           </a:p>
@@ -1180,7 +1182,7 @@
           <a:p>
             <a:fld id="{DEB04459-77A1-459B-84E6-AB5CF6BAEB25}" type="datetimeFigureOut">
               <a:rPr lang="ko-KR" altLang="en-US" smtClean="0"/>
-              <a:t>2022-04-04</a:t>
+              <a:t>2022-06-16</a:t>
             </a:fld>
             <a:endParaRPr lang="ko-KR" altLang="en-US"/>
           </a:p>
@@ -1425,7 +1427,7 @@
           <a:p>
             <a:fld id="{DEB04459-77A1-459B-84E6-AB5CF6BAEB25}" type="datetimeFigureOut">
               <a:rPr lang="ko-KR" altLang="en-US" smtClean="0"/>
-              <a:t>2022-04-04</a:t>
+              <a:t>2022-06-16</a:t>
             </a:fld>
             <a:endParaRPr lang="ko-KR" altLang="en-US"/>
           </a:p>
@@ -1710,7 +1712,7 @@
           <a:p>
             <a:fld id="{DEB04459-77A1-459B-84E6-AB5CF6BAEB25}" type="datetimeFigureOut">
               <a:rPr lang="ko-KR" altLang="en-US" smtClean="0"/>
-              <a:t>2022-04-04</a:t>
+              <a:t>2022-06-16</a:t>
             </a:fld>
             <a:endParaRPr lang="ko-KR" altLang="en-US"/>
           </a:p>
@@ -2129,7 +2131,7 @@
           <a:p>
             <a:fld id="{DEB04459-77A1-459B-84E6-AB5CF6BAEB25}" type="datetimeFigureOut">
               <a:rPr lang="ko-KR" altLang="en-US" smtClean="0"/>
-              <a:t>2022-04-04</a:t>
+              <a:t>2022-06-16</a:t>
             </a:fld>
             <a:endParaRPr lang="ko-KR" altLang="en-US"/>
           </a:p>
@@ -2246,7 +2248,7 @@
           <a:p>
             <a:fld id="{DEB04459-77A1-459B-84E6-AB5CF6BAEB25}" type="datetimeFigureOut">
               <a:rPr lang="ko-KR" altLang="en-US" smtClean="0"/>
-              <a:t>2022-04-04</a:t>
+              <a:t>2022-06-16</a:t>
             </a:fld>
             <a:endParaRPr lang="ko-KR" altLang="en-US"/>
           </a:p>
@@ -2341,7 +2343,7 @@
           <a:p>
             <a:fld id="{DEB04459-77A1-459B-84E6-AB5CF6BAEB25}" type="datetimeFigureOut">
               <a:rPr lang="ko-KR" altLang="en-US" smtClean="0"/>
-              <a:t>2022-04-04</a:t>
+              <a:t>2022-06-16</a:t>
             </a:fld>
             <a:endParaRPr lang="ko-KR" altLang="en-US"/>
           </a:p>
@@ -2616,7 +2618,7 @@
           <a:p>
             <a:fld id="{DEB04459-77A1-459B-84E6-AB5CF6BAEB25}" type="datetimeFigureOut">
               <a:rPr lang="ko-KR" altLang="en-US" smtClean="0"/>
-              <a:t>2022-04-04</a:t>
+              <a:t>2022-06-16</a:t>
             </a:fld>
             <a:endParaRPr lang="ko-KR" altLang="en-US"/>
           </a:p>
@@ -2868,7 +2870,7 @@
           <a:p>
             <a:fld id="{DEB04459-77A1-459B-84E6-AB5CF6BAEB25}" type="datetimeFigureOut">
               <a:rPr lang="ko-KR" altLang="en-US" smtClean="0"/>
-              <a:t>2022-04-04</a:t>
+              <a:t>2022-06-16</a:t>
             </a:fld>
             <a:endParaRPr lang="ko-KR" altLang="en-US"/>
           </a:p>
@@ -3079,7 +3081,7 @@
           <a:p>
             <a:fld id="{DEB04459-77A1-459B-84E6-AB5CF6BAEB25}" type="datetimeFigureOut">
               <a:rPr lang="ko-KR" altLang="en-US" smtClean="0"/>
-              <a:t>2022-04-04</a:t>
+              <a:t>2022-06-16</a:t>
             </a:fld>
             <a:endParaRPr lang="ko-KR" altLang="en-US"/>
           </a:p>
@@ -4738,6 +4740,530 @@
     <p:extLst>
       <p:ext uri="{BB962C8B-B14F-4D97-AF65-F5344CB8AC3E}">
         <p14:creationId xmlns:p14="http://schemas.microsoft.com/office/powerpoint/2010/main" val="789465723"/>
+      </p:ext>
+    </p:extLst>
+  </p:cSld>
+  <p:clrMapOvr>
+    <a:masterClrMapping/>
+  </p:clrMapOvr>
+</p:sld>
+</file>
+
+<file path=ppt/slides/slide14.xml><?xml version="1.0" encoding="utf-8"?>
+<p:sld xmlns:a="http://schemas.openxmlformats.org/drawingml/2006/main" xmlns:r="http://schemas.openxmlformats.org/officeDocument/2006/relationships" xmlns:p="http://schemas.openxmlformats.org/presentationml/2006/main">
+  <p:cSld>
+    <p:spTree>
+      <p:nvGrpSpPr>
+        <p:cNvPr id="1" name=""/>
+        <p:cNvGrpSpPr/>
+        <p:nvPr/>
+      </p:nvGrpSpPr>
+      <p:grpSpPr>
+        <a:xfrm>
+          <a:off x="0" y="0"/>
+          <a:ext cx="0" cy="0"/>
+          <a:chOff x="0" y="0"/>
+          <a:chExt cx="0" cy="0"/>
+        </a:xfrm>
+      </p:grpSpPr>
+      <p:pic>
+        <p:nvPicPr>
+          <p:cNvPr id="2050" name="Picture 2"/>
+          <p:cNvPicPr>
+            <a:picLocks noChangeAspect="1" noChangeArrowheads="1"/>
+          </p:cNvPicPr>
+          <p:nvPr/>
+        </p:nvPicPr>
+        <p:blipFill>
+          <a:blip r:embed="rId2">
+            <a:extLst>
+              <a:ext uri="{28A0092B-C50C-407E-A947-70E740481C1C}">
+                <a14:useLocalDpi xmlns:a14="http://schemas.microsoft.com/office/drawing/2010/main" val="0"/>
+              </a:ext>
+            </a:extLst>
+          </a:blip>
+          <a:srcRect/>
+          <a:stretch>
+            <a:fillRect/>
+          </a:stretch>
+        </p:blipFill>
+        <p:spPr bwMode="auto">
+          <a:xfrm>
+            <a:off x="3150" y="-1667"/>
+            <a:ext cx="10701276" cy="1151475"/>
+          </a:xfrm>
+          <a:prstGeom prst="rect">
+            <a:avLst/>
+          </a:prstGeom>
+          <a:noFill/>
+          <a:ln>
+            <a:noFill/>
+          </a:ln>
+          <a:extLst>
+            <a:ext uri="{909E8E84-426E-40DD-AFC4-6F175D3DCCD1}">
+              <a14:hiddenFill xmlns:a14="http://schemas.microsoft.com/office/drawing/2010/main">
+                <a:solidFill>
+                  <a:schemeClr val="accent1"/>
+                </a:solidFill>
+              </a14:hiddenFill>
+            </a:ext>
+            <a:ext uri="{91240B29-F687-4F45-9708-019B960494DF}">
+              <a14:hiddenLine xmlns:a14="http://schemas.microsoft.com/office/drawing/2010/main" w="9525">
+                <a:solidFill>
+                  <a:schemeClr val="tx1"/>
+                </a:solidFill>
+                <a:miter lim="800000"/>
+                <a:headEnd/>
+                <a:tailEnd/>
+              </a14:hiddenLine>
+            </a:ext>
+          </a:extLst>
+        </p:spPr>
+      </p:pic>
+      <p:sp>
+        <p:nvSpPr>
+          <p:cNvPr id="9" name="직사각형 8"/>
+          <p:cNvSpPr/>
+          <p:nvPr/>
+        </p:nvSpPr>
+        <p:spPr>
+          <a:xfrm>
+            <a:off x="3150" y="1149808"/>
+            <a:ext cx="10687100" cy="6398607"/>
+          </a:xfrm>
+          <a:prstGeom prst="rect">
+            <a:avLst/>
+          </a:prstGeom>
+          <a:noFill/>
+          <a:ln w="3175"/>
+        </p:spPr>
+        <p:style>
+          <a:lnRef idx="2">
+            <a:schemeClr val="accent1">
+              <a:shade val="50000"/>
+            </a:schemeClr>
+          </a:lnRef>
+          <a:fillRef idx="1">
+            <a:schemeClr val="accent1"/>
+          </a:fillRef>
+          <a:effectRef idx="0">
+            <a:schemeClr val="accent1"/>
+          </a:effectRef>
+          <a:fontRef idx="minor">
+            <a:schemeClr val="lt1"/>
+          </a:fontRef>
+        </p:style>
+        <p:txBody>
+          <a:bodyPr lIns="98173" tIns="49087" rIns="98173" bIns="49087" rtlCol="0" anchor="ctr"/>
+          <a:lstStyle/>
+          <a:p>
+            <a:pPr algn="ctr"/>
+            <a:endParaRPr lang="ko-KR" altLang="en-US" dirty="0"/>
+          </a:p>
+        </p:txBody>
+      </p:sp>
+      <p:sp>
+        <p:nvSpPr>
+          <p:cNvPr id="19" name="name"/>
+          <p:cNvSpPr txBox="1">
+            <a:spLocks/>
+          </p:cNvSpPr>
+          <p:nvPr/>
+        </p:nvSpPr>
+        <p:spPr>
+          <a:xfrm>
+            <a:off x="3150" y="2729156"/>
+            <a:ext cx="10701276" cy="2910858"/>
+          </a:xfrm>
+          <a:prstGeom prst="rect">
+            <a:avLst/>
+          </a:prstGeom>
+        </p:spPr>
+        <p:txBody>
+          <a:bodyPr vert="horz" lIns="98173" tIns="49087" rIns="98173" bIns="49087" rtlCol="0" anchor="ctr">
+            <a:normAutofit/>
+          </a:bodyPr>
+          <a:lstStyle>
+            <a:lvl1pPr algn="ctr" defTabSz="914400" rtl="0" eaLnBrk="1" latinLnBrk="1" hangingPunct="1">
+              <a:spcBef>
+                <a:spcPct val="0"/>
+              </a:spcBef>
+              <a:buNone/>
+              <a:defRPr sz="4400" kern="1200">
+                <a:solidFill>
+                  <a:schemeClr val="tx1"/>
+                </a:solidFill>
+                <a:latin typeface="+mj-lt"/>
+                <a:ea typeface="+mj-ea"/>
+                <a:cs typeface="+mj-cs"/>
+              </a:defRPr>
+            </a:lvl1pPr>
+          </a:lstStyle>
+          <a:p>
+            <a:r>
+              <a:rPr lang="ko-KR" altLang="en-US" sz="13300" spc="-2148" dirty="0">
+                <a:latin typeface="다음_Regular" pitchFamily="2" charset="-127"/>
+                <a:ea typeface="다음_Regular" pitchFamily="2" charset="-127"/>
+              </a:rPr>
+              <a:t> </a:t>
+            </a:r>
+            <a:r>
+              <a:rPr lang="ko-KR" altLang="en-US" sz="13300" spc="-161" dirty="0">
+                <a:latin typeface="다음_Regular" pitchFamily="2" charset="-127"/>
+                <a:ea typeface="다음_Regular" pitchFamily="2" charset="-127"/>
+              </a:rPr>
+              <a:t>홍 길 동</a:t>
+            </a:r>
+          </a:p>
+        </p:txBody>
+      </p:sp>
+      <p:pic>
+        <p:nvPicPr>
+          <p:cNvPr id="2052" name="logo" descr="F:\★인천관광공사-디자인자료\★인천시_인천관광공사등-CI,BI\인천관광공사CI\공사CI-국문\인천관광공사-국문(가로).png"/>
+          <p:cNvPicPr>
+            <a:picLocks noChangeAspect="1" noChangeArrowheads="1"/>
+          </p:cNvPicPr>
+          <p:nvPr/>
+        </p:nvPicPr>
+        <p:blipFill>
+          <a:blip r:embed="rId3" cstate="print">
+            <a:extLst>
+              <a:ext uri="{28A0092B-C50C-407E-A947-70E740481C1C}">
+                <a14:useLocalDpi xmlns:a14="http://schemas.microsoft.com/office/drawing/2010/main" val="0"/>
+              </a:ext>
+            </a:extLst>
+          </a:blip>
+          <a:srcRect/>
+          <a:stretch>
+            <a:fillRect/>
+          </a:stretch>
+        </p:blipFill>
+        <p:spPr bwMode="auto">
+          <a:xfrm>
+            <a:off x="231042" y="227295"/>
+            <a:ext cx="1895554" cy="696674"/>
+          </a:xfrm>
+          <a:prstGeom prst="rect">
+            <a:avLst/>
+          </a:prstGeom>
+          <a:noFill/>
+          <a:extLst>
+            <a:ext uri="{909E8E84-426E-40DD-AFC4-6F175D3DCCD1}">
+              <a14:hiddenFill xmlns:a14="http://schemas.microsoft.com/office/drawing/2010/main">
+                <a:solidFill>
+                  <a:srgbClr val="FFFFFF"/>
+                </a:solidFill>
+              </a14:hiddenFill>
+            </a:ext>
+          </a:extLst>
+        </p:spPr>
+      </p:pic>
+      <p:sp>
+        <p:nvSpPr>
+          <p:cNvPr id="7" name="pos">
+            <a:extLst>
+              <a:ext uri="{FF2B5EF4-FFF2-40B4-BE49-F238E27FC236}">
+                <a16:creationId xmlns:a16="http://schemas.microsoft.com/office/drawing/2014/main" id="{B1532AC5-2DF7-4FA0-9A7A-4211F29B9C1B}"/>
+              </a:ext>
+            </a:extLst>
+          </p:cNvPr>
+          <p:cNvSpPr txBox="1"/>
+          <p:nvPr/>
+        </p:nvSpPr>
+        <p:spPr>
+          <a:xfrm>
+            <a:off x="3978548" y="377091"/>
+            <a:ext cx="6489598" cy="523220"/>
+          </a:xfrm>
+          <a:prstGeom prst="rect">
+            <a:avLst/>
+          </a:prstGeom>
+          <a:noFill/>
+        </p:spPr>
+        <p:txBody>
+          <a:bodyPr wrap="square" rtlCol="0">
+            <a:spAutoFit/>
+          </a:bodyPr>
+          <a:lstStyle/>
+          <a:p>
+            <a:pPr algn="ctr"/>
+            <a:r>
+              <a:rPr lang="ko-KR" altLang="en-US" sz="2800" b="1" dirty="0">
+                <a:solidFill>
+                  <a:schemeClr val="bg1"/>
+                </a:solidFill>
+              </a:rPr>
+              <a:t>기획조정실장</a:t>
+            </a:r>
+          </a:p>
+        </p:txBody>
+      </p:sp>
+    </p:spTree>
+    <p:extLst>
+      <p:ext uri="{BB962C8B-B14F-4D97-AF65-F5344CB8AC3E}">
+        <p14:creationId xmlns:p14="http://schemas.microsoft.com/office/powerpoint/2010/main" val="3462291230"/>
+      </p:ext>
+    </p:extLst>
+  </p:cSld>
+  <p:clrMapOvr>
+    <a:masterClrMapping/>
+  </p:clrMapOvr>
+</p:sld>
+</file>
+
+<file path=ppt/slides/slide15.xml><?xml version="1.0" encoding="utf-8"?>
+<p:sld xmlns:a="http://schemas.openxmlformats.org/drawingml/2006/main" xmlns:r="http://schemas.openxmlformats.org/officeDocument/2006/relationships" xmlns:p="http://schemas.openxmlformats.org/presentationml/2006/main">
+  <p:cSld>
+    <p:spTree>
+      <p:nvGrpSpPr>
+        <p:cNvPr id="1" name=""/>
+        <p:cNvGrpSpPr/>
+        <p:nvPr/>
+      </p:nvGrpSpPr>
+      <p:grpSpPr>
+        <a:xfrm>
+          <a:off x="0" y="0"/>
+          <a:ext cx="0" cy="0"/>
+          <a:chOff x="0" y="0"/>
+          <a:chExt cx="0" cy="0"/>
+        </a:xfrm>
+      </p:grpSpPr>
+      <p:pic>
+        <p:nvPicPr>
+          <p:cNvPr id="2050" name="Picture 2"/>
+          <p:cNvPicPr>
+            <a:picLocks noChangeAspect="1" noChangeArrowheads="1"/>
+          </p:cNvPicPr>
+          <p:nvPr/>
+        </p:nvPicPr>
+        <p:blipFill>
+          <a:blip r:embed="rId2">
+            <a:extLst>
+              <a:ext uri="{28A0092B-C50C-407E-A947-70E740481C1C}">
+                <a14:useLocalDpi xmlns:a14="http://schemas.microsoft.com/office/drawing/2010/main" val="0"/>
+              </a:ext>
+            </a:extLst>
+          </a:blip>
+          <a:srcRect/>
+          <a:stretch>
+            <a:fillRect/>
+          </a:stretch>
+        </p:blipFill>
+        <p:spPr bwMode="auto">
+          <a:xfrm>
+            <a:off x="3150" y="-1667"/>
+            <a:ext cx="10701276" cy="1151475"/>
+          </a:xfrm>
+          <a:prstGeom prst="rect">
+            <a:avLst/>
+          </a:prstGeom>
+          <a:noFill/>
+          <a:ln>
+            <a:noFill/>
+          </a:ln>
+          <a:extLst>
+            <a:ext uri="{909E8E84-426E-40DD-AFC4-6F175D3DCCD1}">
+              <a14:hiddenFill xmlns:a14="http://schemas.microsoft.com/office/drawing/2010/main">
+                <a:solidFill>
+                  <a:schemeClr val="accent1"/>
+                </a:solidFill>
+              </a14:hiddenFill>
+            </a:ext>
+            <a:ext uri="{91240B29-F687-4F45-9708-019B960494DF}">
+              <a14:hiddenLine xmlns:a14="http://schemas.microsoft.com/office/drawing/2010/main" w="9525">
+                <a:solidFill>
+                  <a:schemeClr val="tx1"/>
+                </a:solidFill>
+                <a:miter lim="800000"/>
+                <a:headEnd/>
+                <a:tailEnd/>
+              </a14:hiddenLine>
+            </a:ext>
+          </a:extLst>
+        </p:spPr>
+      </p:pic>
+      <p:sp>
+        <p:nvSpPr>
+          <p:cNvPr id="9" name="직사각형 8"/>
+          <p:cNvSpPr/>
+          <p:nvPr/>
+        </p:nvSpPr>
+        <p:spPr>
+          <a:xfrm>
+            <a:off x="3150" y="1149808"/>
+            <a:ext cx="10687100" cy="6398607"/>
+          </a:xfrm>
+          <a:prstGeom prst="rect">
+            <a:avLst/>
+          </a:prstGeom>
+          <a:noFill/>
+          <a:ln w="3175"/>
+        </p:spPr>
+        <p:style>
+          <a:lnRef idx="2">
+            <a:schemeClr val="accent1">
+              <a:shade val="50000"/>
+            </a:schemeClr>
+          </a:lnRef>
+          <a:fillRef idx="1">
+            <a:schemeClr val="accent1"/>
+          </a:fillRef>
+          <a:effectRef idx="0">
+            <a:schemeClr val="accent1"/>
+          </a:effectRef>
+          <a:fontRef idx="minor">
+            <a:schemeClr val="lt1"/>
+          </a:fontRef>
+        </p:style>
+        <p:txBody>
+          <a:bodyPr lIns="98173" tIns="49087" rIns="98173" bIns="49087" rtlCol="0" anchor="ctr"/>
+          <a:lstStyle/>
+          <a:p>
+            <a:pPr algn="ctr"/>
+            <a:endParaRPr lang="ko-KR" altLang="en-US" dirty="0"/>
+          </a:p>
+        </p:txBody>
+      </p:sp>
+      <p:sp>
+        <p:nvSpPr>
+          <p:cNvPr id="19" name="name"/>
+          <p:cNvSpPr txBox="1">
+            <a:spLocks/>
+          </p:cNvSpPr>
+          <p:nvPr/>
+        </p:nvSpPr>
+        <p:spPr>
+          <a:xfrm>
+            <a:off x="3150" y="2729156"/>
+            <a:ext cx="10701276" cy="2910858"/>
+          </a:xfrm>
+          <a:prstGeom prst="rect">
+            <a:avLst/>
+          </a:prstGeom>
+        </p:spPr>
+        <p:txBody>
+          <a:bodyPr vert="horz" lIns="98173" tIns="49087" rIns="98173" bIns="49087" rtlCol="0" anchor="ctr">
+            <a:normAutofit/>
+          </a:bodyPr>
+          <a:lstStyle>
+            <a:lvl1pPr algn="ctr" defTabSz="914400" rtl="0" eaLnBrk="1" latinLnBrk="1" hangingPunct="1">
+              <a:spcBef>
+                <a:spcPct val="0"/>
+              </a:spcBef>
+              <a:buNone/>
+              <a:defRPr sz="4400" kern="1200">
+                <a:solidFill>
+                  <a:schemeClr val="tx1"/>
+                </a:solidFill>
+                <a:latin typeface="+mj-lt"/>
+                <a:ea typeface="+mj-ea"/>
+                <a:cs typeface="+mj-cs"/>
+              </a:defRPr>
+            </a:lvl1pPr>
+          </a:lstStyle>
+          <a:p>
+            <a:r>
+              <a:rPr lang="ko-KR" altLang="en-US" sz="13300" spc="-2148" dirty="0">
+                <a:latin typeface="다음_Regular" pitchFamily="2" charset="-127"/>
+                <a:ea typeface="다음_Regular" pitchFamily="2" charset="-127"/>
+              </a:rPr>
+              <a:t> </a:t>
+            </a:r>
+            <a:r>
+              <a:rPr lang="ko-KR" altLang="en-US" sz="13300" spc="-161" dirty="0">
+                <a:latin typeface="다음_Regular" pitchFamily="2" charset="-127"/>
+                <a:ea typeface="다음_Regular" pitchFamily="2" charset="-127"/>
+              </a:rPr>
+              <a:t>홍 길 동</a:t>
+            </a:r>
+          </a:p>
+        </p:txBody>
+      </p:sp>
+      <p:pic>
+        <p:nvPicPr>
+          <p:cNvPr id="2052" name="logo" descr="F:\★인천관광공사-디자인자료\★인천시_인천관광공사등-CI,BI\인천관광공사CI\공사CI-국문\인천관광공사-국문(가로).png"/>
+          <p:cNvPicPr>
+            <a:picLocks noChangeAspect="1" noChangeArrowheads="1"/>
+          </p:cNvPicPr>
+          <p:nvPr/>
+        </p:nvPicPr>
+        <p:blipFill>
+          <a:blip r:embed="rId3" cstate="print">
+            <a:extLst>
+              <a:ext uri="{28A0092B-C50C-407E-A947-70E740481C1C}">
+                <a14:useLocalDpi xmlns:a14="http://schemas.microsoft.com/office/drawing/2010/main" val="0"/>
+              </a:ext>
+            </a:extLst>
+          </a:blip>
+          <a:srcRect/>
+          <a:stretch>
+            <a:fillRect/>
+          </a:stretch>
+        </p:blipFill>
+        <p:spPr bwMode="auto">
+          <a:xfrm>
+            <a:off x="231042" y="227295"/>
+            <a:ext cx="1895554" cy="696674"/>
+          </a:xfrm>
+          <a:prstGeom prst="rect">
+            <a:avLst/>
+          </a:prstGeom>
+          <a:noFill/>
+          <a:extLst>
+            <a:ext uri="{909E8E84-426E-40DD-AFC4-6F175D3DCCD1}">
+              <a14:hiddenFill xmlns:a14="http://schemas.microsoft.com/office/drawing/2010/main">
+                <a:solidFill>
+                  <a:srgbClr val="FFFFFF"/>
+                </a:solidFill>
+              </a14:hiddenFill>
+            </a:ext>
+          </a:extLst>
+        </p:spPr>
+      </p:pic>
+      <p:sp>
+        <p:nvSpPr>
+          <p:cNvPr id="7" name="pos">
+            <a:extLst>
+              <a:ext uri="{FF2B5EF4-FFF2-40B4-BE49-F238E27FC236}">
+                <a16:creationId xmlns:a16="http://schemas.microsoft.com/office/drawing/2014/main" id="{B1532AC5-2DF7-4FA0-9A7A-4211F29B9C1B}"/>
+              </a:ext>
+            </a:extLst>
+          </p:cNvPr>
+          <p:cNvSpPr txBox="1"/>
+          <p:nvPr/>
+        </p:nvSpPr>
+        <p:spPr>
+          <a:xfrm>
+            <a:off x="3978548" y="377091"/>
+            <a:ext cx="6489598" cy="523220"/>
+          </a:xfrm>
+          <a:prstGeom prst="rect">
+            <a:avLst/>
+          </a:prstGeom>
+          <a:noFill/>
+        </p:spPr>
+        <p:txBody>
+          <a:bodyPr wrap="square" rtlCol="0">
+            <a:spAutoFit/>
+          </a:bodyPr>
+          <a:lstStyle/>
+          <a:p>
+            <a:pPr algn="ctr"/>
+            <a:r>
+              <a:rPr lang="ko-KR" altLang="en-US" sz="2800" b="1" dirty="0">
+                <a:solidFill>
+                  <a:schemeClr val="bg1"/>
+                </a:solidFill>
+              </a:rPr>
+              <a:t>기획조정실장</a:t>
+            </a:r>
+          </a:p>
+        </p:txBody>
+      </p:sp>
+    </p:spTree>
+    <p:extLst>
+      <p:ext uri="{BB962C8B-B14F-4D97-AF65-F5344CB8AC3E}">
+        <p14:creationId xmlns:p14="http://schemas.microsoft.com/office/powerpoint/2010/main" val="2940479995"/>
       </p:ext>
     </p:extLst>
   </p:cSld>

--- a/양식3.pptx
+++ b/양식3.pptx
@@ -222,7 +222,7 @@
           <a:p>
             <a:fld id="{04FD9B66-E4C8-4943-81FF-076B9424E259}" type="datetimeFigureOut">
               <a:rPr lang="ko-KR" altLang="en-US" smtClean="0"/>
-              <a:t>2022-06-16</a:t>
+              <a:t>2022-06-23</a:t>
             </a:fld>
             <a:endParaRPr lang="ko-KR" altLang="en-US"/>
           </a:p>
@@ -668,7 +668,7 @@
           <a:p>
             <a:fld id="{DEB04459-77A1-459B-84E6-AB5CF6BAEB25}" type="datetimeFigureOut">
               <a:rPr lang="ko-KR" altLang="en-US" smtClean="0"/>
-              <a:t>2022-06-16</a:t>
+              <a:t>2022-06-23</a:t>
             </a:fld>
             <a:endParaRPr lang="ko-KR" altLang="en-US"/>
           </a:p>
@@ -836,7 +836,7 @@
           <a:p>
             <a:fld id="{DEB04459-77A1-459B-84E6-AB5CF6BAEB25}" type="datetimeFigureOut">
               <a:rPr lang="ko-KR" altLang="en-US" smtClean="0"/>
-              <a:t>2022-06-16</a:t>
+              <a:t>2022-06-23</a:t>
             </a:fld>
             <a:endParaRPr lang="ko-KR" altLang="en-US"/>
           </a:p>
@@ -1014,7 +1014,7 @@
           <a:p>
             <a:fld id="{DEB04459-77A1-459B-84E6-AB5CF6BAEB25}" type="datetimeFigureOut">
               <a:rPr lang="ko-KR" altLang="en-US" smtClean="0"/>
-              <a:t>2022-06-16</a:t>
+              <a:t>2022-06-23</a:t>
             </a:fld>
             <a:endParaRPr lang="ko-KR" altLang="en-US"/>
           </a:p>
@@ -1182,7 +1182,7 @@
           <a:p>
             <a:fld id="{DEB04459-77A1-459B-84E6-AB5CF6BAEB25}" type="datetimeFigureOut">
               <a:rPr lang="ko-KR" altLang="en-US" smtClean="0"/>
-              <a:t>2022-06-16</a:t>
+              <a:t>2022-06-23</a:t>
             </a:fld>
             <a:endParaRPr lang="ko-KR" altLang="en-US"/>
           </a:p>
@@ -1427,7 +1427,7 @@
           <a:p>
             <a:fld id="{DEB04459-77A1-459B-84E6-AB5CF6BAEB25}" type="datetimeFigureOut">
               <a:rPr lang="ko-KR" altLang="en-US" smtClean="0"/>
-              <a:t>2022-06-16</a:t>
+              <a:t>2022-06-23</a:t>
             </a:fld>
             <a:endParaRPr lang="ko-KR" altLang="en-US"/>
           </a:p>
@@ -1712,7 +1712,7 @@
           <a:p>
             <a:fld id="{DEB04459-77A1-459B-84E6-AB5CF6BAEB25}" type="datetimeFigureOut">
               <a:rPr lang="ko-KR" altLang="en-US" smtClean="0"/>
-              <a:t>2022-06-16</a:t>
+              <a:t>2022-06-23</a:t>
             </a:fld>
             <a:endParaRPr lang="ko-KR" altLang="en-US"/>
           </a:p>
@@ -2131,7 +2131,7 @@
           <a:p>
             <a:fld id="{DEB04459-77A1-459B-84E6-AB5CF6BAEB25}" type="datetimeFigureOut">
               <a:rPr lang="ko-KR" altLang="en-US" smtClean="0"/>
-              <a:t>2022-06-16</a:t>
+              <a:t>2022-06-23</a:t>
             </a:fld>
             <a:endParaRPr lang="ko-KR" altLang="en-US"/>
           </a:p>
@@ -2248,7 +2248,7 @@
           <a:p>
             <a:fld id="{DEB04459-77A1-459B-84E6-AB5CF6BAEB25}" type="datetimeFigureOut">
               <a:rPr lang="ko-KR" altLang="en-US" smtClean="0"/>
-              <a:t>2022-06-16</a:t>
+              <a:t>2022-06-23</a:t>
             </a:fld>
             <a:endParaRPr lang="ko-KR" altLang="en-US"/>
           </a:p>
@@ -2343,7 +2343,7 @@
           <a:p>
             <a:fld id="{DEB04459-77A1-459B-84E6-AB5CF6BAEB25}" type="datetimeFigureOut">
               <a:rPr lang="ko-KR" altLang="en-US" smtClean="0"/>
-              <a:t>2022-06-16</a:t>
+              <a:t>2022-06-23</a:t>
             </a:fld>
             <a:endParaRPr lang="ko-KR" altLang="en-US"/>
           </a:p>
@@ -2618,7 +2618,7 @@
           <a:p>
             <a:fld id="{DEB04459-77A1-459B-84E6-AB5CF6BAEB25}" type="datetimeFigureOut">
               <a:rPr lang="ko-KR" altLang="en-US" smtClean="0"/>
-              <a:t>2022-06-16</a:t>
+              <a:t>2022-06-23</a:t>
             </a:fld>
             <a:endParaRPr lang="ko-KR" altLang="en-US"/>
           </a:p>
@@ -2870,7 +2870,7 @@
           <a:p>
             <a:fld id="{DEB04459-77A1-459B-84E6-AB5CF6BAEB25}" type="datetimeFigureOut">
               <a:rPr lang="ko-KR" altLang="en-US" smtClean="0"/>
-              <a:t>2022-06-16</a:t>
+              <a:t>2022-06-23</a:t>
             </a:fld>
             <a:endParaRPr lang="ko-KR" altLang="en-US"/>
           </a:p>
@@ -3081,7 +3081,7 @@
           <a:p>
             <a:fld id="{DEB04459-77A1-459B-84E6-AB5CF6BAEB25}" type="datetimeFigureOut">
               <a:rPr lang="ko-KR" altLang="en-US" smtClean="0"/>
-              <a:t>2022-06-16</a:t>
+              <a:t>2022-06-23</a:t>
             </a:fld>
             <a:endParaRPr lang="ko-KR" altLang="en-US"/>
           </a:p>
@@ -3458,7 +3458,7 @@
       </p:grpSpPr>
       <p:pic>
         <p:nvPicPr>
-          <p:cNvPr id="2050" name="Picture 2"/>
+          <p:cNvPr id="2050" name="Picture"/>
           <p:cNvPicPr>
             <a:picLocks noChangeAspect="1" noChangeArrowheads="1"/>
           </p:cNvPicPr>
@@ -3720,7 +3720,7 @@
       </p:grpSpPr>
       <p:pic>
         <p:nvPicPr>
-          <p:cNvPr id="2050" name="Picture 2"/>
+          <p:cNvPr id="2050" name="Picture"/>
           <p:cNvPicPr>
             <a:picLocks noChangeAspect="1" noChangeArrowheads="1"/>
           </p:cNvPicPr>
@@ -3953,7 +3953,7 @@
     </p:spTree>
     <p:extLst>
       <p:ext uri="{BB962C8B-B14F-4D97-AF65-F5344CB8AC3E}">
-        <p14:creationId xmlns:p14="http://schemas.microsoft.com/office/powerpoint/2010/main" val="12143711"/>
+        <p14:creationId xmlns:p14="http://schemas.microsoft.com/office/powerpoint/2010/main" val="1830876088"/>
       </p:ext>
     </p:extLst>
   </p:cSld>
@@ -3982,7 +3982,7 @@
       </p:grpSpPr>
       <p:pic>
         <p:nvPicPr>
-          <p:cNvPr id="2050" name="Picture 2"/>
+          <p:cNvPr id="2050" name="Picture"/>
           <p:cNvPicPr>
             <a:picLocks noChangeAspect="1" noChangeArrowheads="1"/>
           </p:cNvPicPr>
@@ -4215,7 +4215,7 @@
     </p:spTree>
     <p:extLst>
       <p:ext uri="{BB962C8B-B14F-4D97-AF65-F5344CB8AC3E}">
-        <p14:creationId xmlns:p14="http://schemas.microsoft.com/office/powerpoint/2010/main" val="4263602761"/>
+        <p14:creationId xmlns:p14="http://schemas.microsoft.com/office/powerpoint/2010/main" val="106748239"/>
       </p:ext>
     </p:extLst>
   </p:cSld>
@@ -4244,7 +4244,7 @@
       </p:grpSpPr>
       <p:pic>
         <p:nvPicPr>
-          <p:cNvPr id="2050" name="Picture 2"/>
+          <p:cNvPr id="2050" name="Picture"/>
           <p:cNvPicPr>
             <a:picLocks noChangeAspect="1" noChangeArrowheads="1"/>
           </p:cNvPicPr>
@@ -4477,7 +4477,7 @@
     </p:spTree>
     <p:extLst>
       <p:ext uri="{BB962C8B-B14F-4D97-AF65-F5344CB8AC3E}">
-        <p14:creationId xmlns:p14="http://schemas.microsoft.com/office/powerpoint/2010/main" val="1308646282"/>
+        <p14:creationId xmlns:p14="http://schemas.microsoft.com/office/powerpoint/2010/main" val="2487486868"/>
       </p:ext>
     </p:extLst>
   </p:cSld>
@@ -4506,7 +4506,7 @@
       </p:grpSpPr>
       <p:pic>
         <p:nvPicPr>
-          <p:cNvPr id="2050" name="Picture 2"/>
+          <p:cNvPr id="2050" name="Picture"/>
           <p:cNvPicPr>
             <a:picLocks noChangeAspect="1" noChangeArrowheads="1"/>
           </p:cNvPicPr>
@@ -4739,7 +4739,7 @@
     </p:spTree>
     <p:extLst>
       <p:ext uri="{BB962C8B-B14F-4D97-AF65-F5344CB8AC3E}">
-        <p14:creationId xmlns:p14="http://schemas.microsoft.com/office/powerpoint/2010/main" val="789465723"/>
+        <p14:creationId xmlns:p14="http://schemas.microsoft.com/office/powerpoint/2010/main" val="1705001172"/>
       </p:ext>
     </p:extLst>
   </p:cSld>
@@ -4768,7 +4768,7 @@
       </p:grpSpPr>
       <p:pic>
         <p:nvPicPr>
-          <p:cNvPr id="2050" name="Picture 2"/>
+          <p:cNvPr id="2050" name="Picture"/>
           <p:cNvPicPr>
             <a:picLocks noChangeAspect="1" noChangeArrowheads="1"/>
           </p:cNvPicPr>
@@ -5001,7 +5001,7 @@
     </p:spTree>
     <p:extLst>
       <p:ext uri="{BB962C8B-B14F-4D97-AF65-F5344CB8AC3E}">
-        <p14:creationId xmlns:p14="http://schemas.microsoft.com/office/powerpoint/2010/main" val="3462291230"/>
+        <p14:creationId xmlns:p14="http://schemas.microsoft.com/office/powerpoint/2010/main" val="2249166944"/>
       </p:ext>
     </p:extLst>
   </p:cSld>
@@ -5030,7 +5030,7 @@
       </p:grpSpPr>
       <p:pic>
         <p:nvPicPr>
-          <p:cNvPr id="2050" name="Picture 2"/>
+          <p:cNvPr id="2050" name="Picture"/>
           <p:cNvPicPr>
             <a:picLocks noChangeAspect="1" noChangeArrowheads="1"/>
           </p:cNvPicPr>
@@ -5263,7 +5263,7 @@
     </p:spTree>
     <p:extLst>
       <p:ext uri="{BB962C8B-B14F-4D97-AF65-F5344CB8AC3E}">
-        <p14:creationId xmlns:p14="http://schemas.microsoft.com/office/powerpoint/2010/main" val="2940479995"/>
+        <p14:creationId xmlns:p14="http://schemas.microsoft.com/office/powerpoint/2010/main" val="934022409"/>
       </p:ext>
     </p:extLst>
   </p:cSld>
@@ -5292,7 +5292,7 @@
       </p:grpSpPr>
       <p:pic>
         <p:nvPicPr>
-          <p:cNvPr id="2050" name="Picture 2"/>
+          <p:cNvPr id="2050" name="Picture"/>
           <p:cNvPicPr>
             <a:picLocks noChangeAspect="1" noChangeArrowheads="1"/>
           </p:cNvPicPr>
@@ -5525,7 +5525,7 @@
     </p:spTree>
     <p:extLst>
       <p:ext uri="{BB962C8B-B14F-4D97-AF65-F5344CB8AC3E}">
-        <p14:creationId xmlns:p14="http://schemas.microsoft.com/office/powerpoint/2010/main" val="1418140849"/>
+        <p14:creationId xmlns:p14="http://schemas.microsoft.com/office/powerpoint/2010/main" val="3293297101"/>
       </p:ext>
     </p:extLst>
   </p:cSld>
@@ -5554,7 +5554,7 @@
       </p:grpSpPr>
       <p:pic>
         <p:nvPicPr>
-          <p:cNvPr id="2050" name="Picture 2"/>
+          <p:cNvPr id="2050" name="Picture"/>
           <p:cNvPicPr>
             <a:picLocks noChangeAspect="1" noChangeArrowheads="1"/>
           </p:cNvPicPr>
@@ -5787,7 +5787,7 @@
     </p:spTree>
     <p:extLst>
       <p:ext uri="{BB962C8B-B14F-4D97-AF65-F5344CB8AC3E}">
-        <p14:creationId xmlns:p14="http://schemas.microsoft.com/office/powerpoint/2010/main" val="3514062656"/>
+        <p14:creationId xmlns:p14="http://schemas.microsoft.com/office/powerpoint/2010/main" val="4245040365"/>
       </p:ext>
     </p:extLst>
   </p:cSld>
@@ -5816,7 +5816,7 @@
       </p:grpSpPr>
       <p:pic>
         <p:nvPicPr>
-          <p:cNvPr id="2050" name="Picture 2"/>
+          <p:cNvPr id="2050" name="Picture"/>
           <p:cNvPicPr>
             <a:picLocks noChangeAspect="1" noChangeArrowheads="1"/>
           </p:cNvPicPr>
@@ -6049,7 +6049,7 @@
     </p:spTree>
     <p:extLst>
       <p:ext uri="{BB962C8B-B14F-4D97-AF65-F5344CB8AC3E}">
-        <p14:creationId xmlns:p14="http://schemas.microsoft.com/office/powerpoint/2010/main" val="1241745978"/>
+        <p14:creationId xmlns:p14="http://schemas.microsoft.com/office/powerpoint/2010/main" val="630605624"/>
       </p:ext>
     </p:extLst>
   </p:cSld>
@@ -6078,7 +6078,7 @@
       </p:grpSpPr>
       <p:pic>
         <p:nvPicPr>
-          <p:cNvPr id="2050" name="Picture 2"/>
+          <p:cNvPr id="2050" name="Picture"/>
           <p:cNvPicPr>
             <a:picLocks noChangeAspect="1" noChangeArrowheads="1"/>
           </p:cNvPicPr>
@@ -6311,7 +6311,7 @@
     </p:spTree>
     <p:extLst>
       <p:ext uri="{BB962C8B-B14F-4D97-AF65-F5344CB8AC3E}">
-        <p14:creationId xmlns:p14="http://schemas.microsoft.com/office/powerpoint/2010/main" val="1525127838"/>
+        <p14:creationId xmlns:p14="http://schemas.microsoft.com/office/powerpoint/2010/main" val="3258990863"/>
       </p:ext>
     </p:extLst>
   </p:cSld>
@@ -6340,7 +6340,7 @@
       </p:grpSpPr>
       <p:pic>
         <p:nvPicPr>
-          <p:cNvPr id="2050" name="Picture 2"/>
+          <p:cNvPr id="2050" name="Picture"/>
           <p:cNvPicPr>
             <a:picLocks noChangeAspect="1" noChangeArrowheads="1"/>
           </p:cNvPicPr>
@@ -6573,7 +6573,7 @@
     </p:spTree>
     <p:extLst>
       <p:ext uri="{BB962C8B-B14F-4D97-AF65-F5344CB8AC3E}">
-        <p14:creationId xmlns:p14="http://schemas.microsoft.com/office/powerpoint/2010/main" val="4146325567"/>
+        <p14:creationId xmlns:p14="http://schemas.microsoft.com/office/powerpoint/2010/main" val="2605212888"/>
       </p:ext>
     </p:extLst>
   </p:cSld>
@@ -6602,7 +6602,7 @@
       </p:grpSpPr>
       <p:pic>
         <p:nvPicPr>
-          <p:cNvPr id="2050" name="Picture 2"/>
+          <p:cNvPr id="2050" name="Picture"/>
           <p:cNvPicPr>
             <a:picLocks noChangeAspect="1" noChangeArrowheads="1"/>
           </p:cNvPicPr>
@@ -6835,7 +6835,7 @@
     </p:spTree>
     <p:extLst>
       <p:ext uri="{BB962C8B-B14F-4D97-AF65-F5344CB8AC3E}">
-        <p14:creationId xmlns:p14="http://schemas.microsoft.com/office/powerpoint/2010/main" val="3198415775"/>
+        <p14:creationId xmlns:p14="http://schemas.microsoft.com/office/powerpoint/2010/main" val="4278564100"/>
       </p:ext>
     </p:extLst>
   </p:cSld>
@@ -6864,7 +6864,7 @@
       </p:grpSpPr>
       <p:pic>
         <p:nvPicPr>
-          <p:cNvPr id="2050" name="Picture 2"/>
+          <p:cNvPr id="2050" name="Picture"/>
           <p:cNvPicPr>
             <a:picLocks noChangeAspect="1" noChangeArrowheads="1"/>
           </p:cNvPicPr>
@@ -7097,7 +7097,7 @@
     </p:spTree>
     <p:extLst>
       <p:ext uri="{BB962C8B-B14F-4D97-AF65-F5344CB8AC3E}">
-        <p14:creationId xmlns:p14="http://schemas.microsoft.com/office/powerpoint/2010/main" val="2536698199"/>
+        <p14:creationId xmlns:p14="http://schemas.microsoft.com/office/powerpoint/2010/main" val="2508902838"/>
       </p:ext>
     </p:extLst>
   </p:cSld>
@@ -7126,7 +7126,7 @@
       </p:grpSpPr>
       <p:pic>
         <p:nvPicPr>
-          <p:cNvPr id="2050" name="Picture 2"/>
+          <p:cNvPr id="2050" name="Picture"/>
           <p:cNvPicPr>
             <a:picLocks noChangeAspect="1" noChangeArrowheads="1"/>
           </p:cNvPicPr>
@@ -7359,7 +7359,7 @@
     </p:spTree>
     <p:extLst>
       <p:ext uri="{BB962C8B-B14F-4D97-AF65-F5344CB8AC3E}">
-        <p14:creationId xmlns:p14="http://schemas.microsoft.com/office/powerpoint/2010/main" val="3506238820"/>
+        <p14:creationId xmlns:p14="http://schemas.microsoft.com/office/powerpoint/2010/main" val="1415957393"/>
       </p:ext>
     </p:extLst>
   </p:cSld>

--- a/양식3.pptx
+++ b/양식3.pptx
@@ -222,7 +222,7 @@
           <a:p>
             <a:fld id="{04FD9B66-E4C8-4943-81FF-076B9424E259}" type="datetimeFigureOut">
               <a:rPr lang="ko-KR" altLang="en-US" smtClean="0"/>
-              <a:t>2022-06-23</a:t>
+              <a:t>2022-06-28</a:t>
             </a:fld>
             <a:endParaRPr lang="ko-KR" altLang="en-US"/>
           </a:p>
@@ -668,7 +668,7 @@
           <a:p>
             <a:fld id="{DEB04459-77A1-459B-84E6-AB5CF6BAEB25}" type="datetimeFigureOut">
               <a:rPr lang="ko-KR" altLang="en-US" smtClean="0"/>
-              <a:t>2022-06-23</a:t>
+              <a:t>2022-06-28</a:t>
             </a:fld>
             <a:endParaRPr lang="ko-KR" altLang="en-US"/>
           </a:p>
@@ -836,7 +836,7 @@
           <a:p>
             <a:fld id="{DEB04459-77A1-459B-84E6-AB5CF6BAEB25}" type="datetimeFigureOut">
               <a:rPr lang="ko-KR" altLang="en-US" smtClean="0"/>
-              <a:t>2022-06-23</a:t>
+              <a:t>2022-06-28</a:t>
             </a:fld>
             <a:endParaRPr lang="ko-KR" altLang="en-US"/>
           </a:p>
@@ -1014,7 +1014,7 @@
           <a:p>
             <a:fld id="{DEB04459-77A1-459B-84E6-AB5CF6BAEB25}" type="datetimeFigureOut">
               <a:rPr lang="ko-KR" altLang="en-US" smtClean="0"/>
-              <a:t>2022-06-23</a:t>
+              <a:t>2022-06-28</a:t>
             </a:fld>
             <a:endParaRPr lang="ko-KR" altLang="en-US"/>
           </a:p>
@@ -1182,7 +1182,7 @@
           <a:p>
             <a:fld id="{DEB04459-77A1-459B-84E6-AB5CF6BAEB25}" type="datetimeFigureOut">
               <a:rPr lang="ko-KR" altLang="en-US" smtClean="0"/>
-              <a:t>2022-06-23</a:t>
+              <a:t>2022-06-28</a:t>
             </a:fld>
             <a:endParaRPr lang="ko-KR" altLang="en-US"/>
           </a:p>
@@ -1427,7 +1427,7 @@
           <a:p>
             <a:fld id="{DEB04459-77A1-459B-84E6-AB5CF6BAEB25}" type="datetimeFigureOut">
               <a:rPr lang="ko-KR" altLang="en-US" smtClean="0"/>
-              <a:t>2022-06-23</a:t>
+              <a:t>2022-06-28</a:t>
             </a:fld>
             <a:endParaRPr lang="ko-KR" altLang="en-US"/>
           </a:p>
@@ -1712,7 +1712,7 @@
           <a:p>
             <a:fld id="{DEB04459-77A1-459B-84E6-AB5CF6BAEB25}" type="datetimeFigureOut">
               <a:rPr lang="ko-KR" altLang="en-US" smtClean="0"/>
-              <a:t>2022-06-23</a:t>
+              <a:t>2022-06-28</a:t>
             </a:fld>
             <a:endParaRPr lang="ko-KR" altLang="en-US"/>
           </a:p>
@@ -2131,7 +2131,7 @@
           <a:p>
             <a:fld id="{DEB04459-77A1-459B-84E6-AB5CF6BAEB25}" type="datetimeFigureOut">
               <a:rPr lang="ko-KR" altLang="en-US" smtClean="0"/>
-              <a:t>2022-06-23</a:t>
+              <a:t>2022-06-28</a:t>
             </a:fld>
             <a:endParaRPr lang="ko-KR" altLang="en-US"/>
           </a:p>
@@ -2248,7 +2248,7 @@
           <a:p>
             <a:fld id="{DEB04459-77A1-459B-84E6-AB5CF6BAEB25}" type="datetimeFigureOut">
               <a:rPr lang="ko-KR" altLang="en-US" smtClean="0"/>
-              <a:t>2022-06-23</a:t>
+              <a:t>2022-06-28</a:t>
             </a:fld>
             <a:endParaRPr lang="ko-KR" altLang="en-US"/>
           </a:p>
@@ -2343,7 +2343,7 @@
           <a:p>
             <a:fld id="{DEB04459-77A1-459B-84E6-AB5CF6BAEB25}" type="datetimeFigureOut">
               <a:rPr lang="ko-KR" altLang="en-US" smtClean="0"/>
-              <a:t>2022-06-23</a:t>
+              <a:t>2022-06-28</a:t>
             </a:fld>
             <a:endParaRPr lang="ko-KR" altLang="en-US"/>
           </a:p>
@@ -2618,7 +2618,7 @@
           <a:p>
             <a:fld id="{DEB04459-77A1-459B-84E6-AB5CF6BAEB25}" type="datetimeFigureOut">
               <a:rPr lang="ko-KR" altLang="en-US" smtClean="0"/>
-              <a:t>2022-06-23</a:t>
+              <a:t>2022-06-28</a:t>
             </a:fld>
             <a:endParaRPr lang="ko-KR" altLang="en-US"/>
           </a:p>
@@ -2870,7 +2870,7 @@
           <a:p>
             <a:fld id="{DEB04459-77A1-459B-84E6-AB5CF6BAEB25}" type="datetimeFigureOut">
               <a:rPr lang="ko-KR" altLang="en-US" smtClean="0"/>
-              <a:t>2022-06-23</a:t>
+              <a:t>2022-06-28</a:t>
             </a:fld>
             <a:endParaRPr lang="ko-KR" altLang="en-US"/>
           </a:p>
@@ -3081,7 +3081,7 @@
           <a:p>
             <a:fld id="{DEB04459-77A1-459B-84E6-AB5CF6BAEB25}" type="datetimeFigureOut">
               <a:rPr lang="ko-KR" altLang="en-US" smtClean="0"/>
-              <a:t>2022-06-23</a:t>
+              <a:t>2022-06-28</a:t>
             </a:fld>
             <a:endParaRPr lang="ko-KR" altLang="en-US"/>
           </a:p>
@@ -3512,7 +3512,7 @@
       </p:pic>
       <p:sp>
         <p:nvSpPr>
-          <p:cNvPr id="9" name="직사각형 8"/>
+          <p:cNvPr id="9" name="직사각형 1"/>
           <p:cNvSpPr/>
           <p:nvPr/>
         </p:nvSpPr>
@@ -3774,7 +3774,7 @@
       </p:pic>
       <p:sp>
         <p:nvSpPr>
-          <p:cNvPr id="9" name="직사각형 8"/>
+          <p:cNvPr id="9" name="직사각형 1"/>
           <p:cNvSpPr/>
           <p:nvPr/>
         </p:nvSpPr>
@@ -3953,7 +3953,7 @@
     </p:spTree>
     <p:extLst>
       <p:ext uri="{BB962C8B-B14F-4D97-AF65-F5344CB8AC3E}">
-        <p14:creationId xmlns:p14="http://schemas.microsoft.com/office/powerpoint/2010/main" val="1830876088"/>
+        <p14:creationId xmlns:p14="http://schemas.microsoft.com/office/powerpoint/2010/main" val="4246920826"/>
       </p:ext>
     </p:extLst>
   </p:cSld>
@@ -4036,7 +4036,7 @@
       </p:pic>
       <p:sp>
         <p:nvSpPr>
-          <p:cNvPr id="9" name="직사각형 8"/>
+          <p:cNvPr id="9" name="직사각형 1"/>
           <p:cNvSpPr/>
           <p:nvPr/>
         </p:nvSpPr>
@@ -4215,7 +4215,7 @@
     </p:spTree>
     <p:extLst>
       <p:ext uri="{BB962C8B-B14F-4D97-AF65-F5344CB8AC3E}">
-        <p14:creationId xmlns:p14="http://schemas.microsoft.com/office/powerpoint/2010/main" val="106748239"/>
+        <p14:creationId xmlns:p14="http://schemas.microsoft.com/office/powerpoint/2010/main" val="849233342"/>
       </p:ext>
     </p:extLst>
   </p:cSld>
@@ -4298,7 +4298,7 @@
       </p:pic>
       <p:sp>
         <p:nvSpPr>
-          <p:cNvPr id="9" name="직사각형 8"/>
+          <p:cNvPr id="9" name="직사각형 1"/>
           <p:cNvSpPr/>
           <p:nvPr/>
         </p:nvSpPr>
@@ -4477,7 +4477,7 @@
     </p:spTree>
     <p:extLst>
       <p:ext uri="{BB962C8B-B14F-4D97-AF65-F5344CB8AC3E}">
-        <p14:creationId xmlns:p14="http://schemas.microsoft.com/office/powerpoint/2010/main" val="2487486868"/>
+        <p14:creationId xmlns:p14="http://schemas.microsoft.com/office/powerpoint/2010/main" val="3283588069"/>
       </p:ext>
     </p:extLst>
   </p:cSld>
@@ -4560,7 +4560,7 @@
       </p:pic>
       <p:sp>
         <p:nvSpPr>
-          <p:cNvPr id="9" name="직사각형 8"/>
+          <p:cNvPr id="9" name="직사각형 1"/>
           <p:cNvSpPr/>
           <p:nvPr/>
         </p:nvSpPr>
@@ -4739,7 +4739,7 @@
     </p:spTree>
     <p:extLst>
       <p:ext uri="{BB962C8B-B14F-4D97-AF65-F5344CB8AC3E}">
-        <p14:creationId xmlns:p14="http://schemas.microsoft.com/office/powerpoint/2010/main" val="1705001172"/>
+        <p14:creationId xmlns:p14="http://schemas.microsoft.com/office/powerpoint/2010/main" val="1647094984"/>
       </p:ext>
     </p:extLst>
   </p:cSld>
@@ -4822,7 +4822,7 @@
       </p:pic>
       <p:sp>
         <p:nvSpPr>
-          <p:cNvPr id="9" name="직사각형 8"/>
+          <p:cNvPr id="9" name="직사각형 1"/>
           <p:cNvSpPr/>
           <p:nvPr/>
         </p:nvSpPr>
@@ -5001,7 +5001,7 @@
     </p:spTree>
     <p:extLst>
       <p:ext uri="{BB962C8B-B14F-4D97-AF65-F5344CB8AC3E}">
-        <p14:creationId xmlns:p14="http://schemas.microsoft.com/office/powerpoint/2010/main" val="2249166944"/>
+        <p14:creationId xmlns:p14="http://schemas.microsoft.com/office/powerpoint/2010/main" val="2712862567"/>
       </p:ext>
     </p:extLst>
   </p:cSld>
@@ -5084,7 +5084,7 @@
       </p:pic>
       <p:sp>
         <p:nvSpPr>
-          <p:cNvPr id="9" name="직사각형 8"/>
+          <p:cNvPr id="9" name="직사각형 1"/>
           <p:cNvSpPr/>
           <p:nvPr/>
         </p:nvSpPr>
@@ -5263,7 +5263,7 @@
     </p:spTree>
     <p:extLst>
       <p:ext uri="{BB962C8B-B14F-4D97-AF65-F5344CB8AC3E}">
-        <p14:creationId xmlns:p14="http://schemas.microsoft.com/office/powerpoint/2010/main" val="934022409"/>
+        <p14:creationId xmlns:p14="http://schemas.microsoft.com/office/powerpoint/2010/main" val="752323738"/>
       </p:ext>
     </p:extLst>
   </p:cSld>
@@ -5346,7 +5346,7 @@
       </p:pic>
       <p:sp>
         <p:nvSpPr>
-          <p:cNvPr id="9" name="직사각형 8"/>
+          <p:cNvPr id="9" name="직사각형 1"/>
           <p:cNvSpPr/>
           <p:nvPr/>
         </p:nvSpPr>
@@ -5525,7 +5525,7 @@
     </p:spTree>
     <p:extLst>
       <p:ext uri="{BB962C8B-B14F-4D97-AF65-F5344CB8AC3E}">
-        <p14:creationId xmlns:p14="http://schemas.microsoft.com/office/powerpoint/2010/main" val="3293297101"/>
+        <p14:creationId xmlns:p14="http://schemas.microsoft.com/office/powerpoint/2010/main" val="2865076016"/>
       </p:ext>
     </p:extLst>
   </p:cSld>
@@ -5608,7 +5608,7 @@
       </p:pic>
       <p:sp>
         <p:nvSpPr>
-          <p:cNvPr id="9" name="직사각형 8"/>
+          <p:cNvPr id="9" name="직사각형 1"/>
           <p:cNvSpPr/>
           <p:nvPr/>
         </p:nvSpPr>
@@ -5787,7 +5787,7 @@
     </p:spTree>
     <p:extLst>
       <p:ext uri="{BB962C8B-B14F-4D97-AF65-F5344CB8AC3E}">
-        <p14:creationId xmlns:p14="http://schemas.microsoft.com/office/powerpoint/2010/main" val="4245040365"/>
+        <p14:creationId xmlns:p14="http://schemas.microsoft.com/office/powerpoint/2010/main" val="2973822017"/>
       </p:ext>
     </p:extLst>
   </p:cSld>
@@ -5870,7 +5870,7 @@
       </p:pic>
       <p:sp>
         <p:nvSpPr>
-          <p:cNvPr id="9" name="직사각형 8"/>
+          <p:cNvPr id="9" name="직사각형 1"/>
           <p:cNvSpPr/>
           <p:nvPr/>
         </p:nvSpPr>
@@ -6049,7 +6049,7 @@
     </p:spTree>
     <p:extLst>
       <p:ext uri="{BB962C8B-B14F-4D97-AF65-F5344CB8AC3E}">
-        <p14:creationId xmlns:p14="http://schemas.microsoft.com/office/powerpoint/2010/main" val="630605624"/>
+        <p14:creationId xmlns:p14="http://schemas.microsoft.com/office/powerpoint/2010/main" val="1324822555"/>
       </p:ext>
     </p:extLst>
   </p:cSld>
@@ -6132,7 +6132,7 @@
       </p:pic>
       <p:sp>
         <p:nvSpPr>
-          <p:cNvPr id="9" name="직사각형 8"/>
+          <p:cNvPr id="9" name="직사각형 1"/>
           <p:cNvSpPr/>
           <p:nvPr/>
         </p:nvSpPr>
@@ -6311,7 +6311,7 @@
     </p:spTree>
     <p:extLst>
       <p:ext uri="{BB962C8B-B14F-4D97-AF65-F5344CB8AC3E}">
-        <p14:creationId xmlns:p14="http://schemas.microsoft.com/office/powerpoint/2010/main" val="3258990863"/>
+        <p14:creationId xmlns:p14="http://schemas.microsoft.com/office/powerpoint/2010/main" val="425127844"/>
       </p:ext>
     </p:extLst>
   </p:cSld>
@@ -6394,7 +6394,7 @@
       </p:pic>
       <p:sp>
         <p:nvSpPr>
-          <p:cNvPr id="9" name="직사각형 8"/>
+          <p:cNvPr id="9" name="직사각형 1"/>
           <p:cNvSpPr/>
           <p:nvPr/>
         </p:nvSpPr>
@@ -6573,7 +6573,7 @@
     </p:spTree>
     <p:extLst>
       <p:ext uri="{BB962C8B-B14F-4D97-AF65-F5344CB8AC3E}">
-        <p14:creationId xmlns:p14="http://schemas.microsoft.com/office/powerpoint/2010/main" val="2605212888"/>
+        <p14:creationId xmlns:p14="http://schemas.microsoft.com/office/powerpoint/2010/main" val="104853440"/>
       </p:ext>
     </p:extLst>
   </p:cSld>
@@ -6656,7 +6656,7 @@
       </p:pic>
       <p:sp>
         <p:nvSpPr>
-          <p:cNvPr id="9" name="직사각형 8"/>
+          <p:cNvPr id="9" name="직사각형 1"/>
           <p:cNvSpPr/>
           <p:nvPr/>
         </p:nvSpPr>
@@ -6835,7 +6835,7 @@
     </p:spTree>
     <p:extLst>
       <p:ext uri="{BB962C8B-B14F-4D97-AF65-F5344CB8AC3E}">
-        <p14:creationId xmlns:p14="http://schemas.microsoft.com/office/powerpoint/2010/main" val="4278564100"/>
+        <p14:creationId xmlns:p14="http://schemas.microsoft.com/office/powerpoint/2010/main" val="1273029683"/>
       </p:ext>
     </p:extLst>
   </p:cSld>
@@ -6918,7 +6918,7 @@
       </p:pic>
       <p:sp>
         <p:nvSpPr>
-          <p:cNvPr id="9" name="직사각형 8"/>
+          <p:cNvPr id="9" name="직사각형 1"/>
           <p:cNvSpPr/>
           <p:nvPr/>
         </p:nvSpPr>
@@ -7097,7 +7097,7 @@
     </p:spTree>
     <p:extLst>
       <p:ext uri="{BB962C8B-B14F-4D97-AF65-F5344CB8AC3E}">
-        <p14:creationId xmlns:p14="http://schemas.microsoft.com/office/powerpoint/2010/main" val="2508902838"/>
+        <p14:creationId xmlns:p14="http://schemas.microsoft.com/office/powerpoint/2010/main" val="3846130831"/>
       </p:ext>
     </p:extLst>
   </p:cSld>
@@ -7180,7 +7180,7 @@
       </p:pic>
       <p:sp>
         <p:nvSpPr>
-          <p:cNvPr id="9" name="직사각형 8"/>
+          <p:cNvPr id="9" name="직사각형 1"/>
           <p:cNvSpPr/>
           <p:nvPr/>
         </p:nvSpPr>
@@ -7359,7 +7359,7 @@
     </p:spTree>
     <p:extLst>
       <p:ext uri="{BB962C8B-B14F-4D97-AF65-F5344CB8AC3E}">
-        <p14:creationId xmlns:p14="http://schemas.microsoft.com/office/powerpoint/2010/main" val="1415957393"/>
+        <p14:creationId xmlns:p14="http://schemas.microsoft.com/office/powerpoint/2010/main" val="101778240"/>
       </p:ext>
     </p:extLst>
   </p:cSld>
